--- a/images/Geofisica/Presentation1.pptx
+++ b/images/Geofisica/Presentation1.pptx
@@ -108,6 +108,11 @@
       </a:defRPr>
     </a:lvl9pPr>
   </p:defaultTextStyle>
+  <p:extLst>
+    <p:ext uri="{EFAFB233-063F-42B5-8137-9DF3F51BA10A}">
+      <p15:sldGuideLst xmlns:p15="http://schemas.microsoft.com/office/powerpoint/2012/main"/>
+    </p:ext>
+  </p:extLst>
 </p:presentation>
 </file>
 
@@ -260,7 +265,7 @@
           <a:p>
             <a:fld id="{63DA8A51-1135-4711-85A9-736235D61FDC}" type="datetimeFigureOut">
               <a:rPr lang="en-CA" smtClean="0"/>
-              <a:t>2024-07-29</a:t>
+              <a:t>2024-07-30</a:t>
             </a:fld>
             <a:endParaRPr lang="en-CA"/>
           </a:p>
@@ -460,7 +465,7 @@
           <a:p>
             <a:fld id="{63DA8A51-1135-4711-85A9-736235D61FDC}" type="datetimeFigureOut">
               <a:rPr lang="en-CA" smtClean="0"/>
-              <a:t>2024-07-29</a:t>
+              <a:t>2024-07-30</a:t>
             </a:fld>
             <a:endParaRPr lang="en-CA"/>
           </a:p>
@@ -670,7 +675,7 @@
           <a:p>
             <a:fld id="{63DA8A51-1135-4711-85A9-736235D61FDC}" type="datetimeFigureOut">
               <a:rPr lang="en-CA" smtClean="0"/>
-              <a:t>2024-07-29</a:t>
+              <a:t>2024-07-30</a:t>
             </a:fld>
             <a:endParaRPr lang="en-CA"/>
           </a:p>
@@ -870,7 +875,7 @@
           <a:p>
             <a:fld id="{63DA8A51-1135-4711-85A9-736235D61FDC}" type="datetimeFigureOut">
               <a:rPr lang="en-CA" smtClean="0"/>
-              <a:t>2024-07-29</a:t>
+              <a:t>2024-07-30</a:t>
             </a:fld>
             <a:endParaRPr lang="en-CA"/>
           </a:p>
@@ -1146,7 +1151,7 @@
           <a:p>
             <a:fld id="{63DA8A51-1135-4711-85A9-736235D61FDC}" type="datetimeFigureOut">
               <a:rPr lang="en-CA" smtClean="0"/>
-              <a:t>2024-07-29</a:t>
+              <a:t>2024-07-30</a:t>
             </a:fld>
             <a:endParaRPr lang="en-CA"/>
           </a:p>
@@ -1414,7 +1419,7 @@
           <a:p>
             <a:fld id="{63DA8A51-1135-4711-85A9-736235D61FDC}" type="datetimeFigureOut">
               <a:rPr lang="en-CA" smtClean="0"/>
-              <a:t>2024-07-29</a:t>
+              <a:t>2024-07-30</a:t>
             </a:fld>
             <a:endParaRPr lang="en-CA"/>
           </a:p>
@@ -1829,7 +1834,7 @@
           <a:p>
             <a:fld id="{63DA8A51-1135-4711-85A9-736235D61FDC}" type="datetimeFigureOut">
               <a:rPr lang="en-CA" smtClean="0"/>
-              <a:t>2024-07-29</a:t>
+              <a:t>2024-07-30</a:t>
             </a:fld>
             <a:endParaRPr lang="en-CA"/>
           </a:p>
@@ -1971,7 +1976,7 @@
           <a:p>
             <a:fld id="{63DA8A51-1135-4711-85A9-736235D61FDC}" type="datetimeFigureOut">
               <a:rPr lang="en-CA" smtClean="0"/>
-              <a:t>2024-07-29</a:t>
+              <a:t>2024-07-30</a:t>
             </a:fld>
             <a:endParaRPr lang="en-CA"/>
           </a:p>
@@ -2084,7 +2089,7 @@
           <a:p>
             <a:fld id="{63DA8A51-1135-4711-85A9-736235D61FDC}" type="datetimeFigureOut">
               <a:rPr lang="en-CA" smtClean="0"/>
-              <a:t>2024-07-29</a:t>
+              <a:t>2024-07-30</a:t>
             </a:fld>
             <a:endParaRPr lang="en-CA"/>
           </a:p>
@@ -2397,7 +2402,7 @@
           <a:p>
             <a:fld id="{63DA8A51-1135-4711-85A9-736235D61FDC}" type="datetimeFigureOut">
               <a:rPr lang="en-CA" smtClean="0"/>
-              <a:t>2024-07-29</a:t>
+              <a:t>2024-07-30</a:t>
             </a:fld>
             <a:endParaRPr lang="en-CA"/>
           </a:p>
@@ -2686,7 +2691,7 @@
           <a:p>
             <a:fld id="{63DA8A51-1135-4711-85A9-736235D61FDC}" type="datetimeFigureOut">
               <a:rPr lang="en-CA" smtClean="0"/>
-              <a:t>2024-07-29</a:t>
+              <a:t>2024-07-30</a:t>
             </a:fld>
             <a:endParaRPr lang="en-CA"/>
           </a:p>
@@ -2929,7 +2934,7 @@
           <a:p>
             <a:fld id="{63DA8A51-1135-4711-85A9-736235D61FDC}" type="datetimeFigureOut">
               <a:rPr lang="en-CA" smtClean="0"/>
-              <a:t>2024-07-29</a:t>
+              <a:t>2024-07-30</a:t>
             </a:fld>
             <a:endParaRPr lang="en-CA"/>
           </a:p>
@@ -3361,7 +3366,7 @@
           <p:nvPr/>
         </p:nvPicPr>
         <p:blipFill>
-          <a:blip r:embed="rId2"/>
+          <a:blip r:embed="rId4"/>
           <a:stretch>
             <a:fillRect/>
           </a:stretch>
@@ -3391,7 +3396,7 @@
           <p:nvPr/>
         </p:nvPicPr>
         <p:blipFill>
-          <a:blip r:embed="rId3"/>
+          <a:blip r:embed="rId5"/>
           <a:stretch>
             <a:fillRect/>
           </a:stretch>
@@ -3400,6 +3405,45 @@
           <a:xfrm>
             <a:off x="7139465" y="0"/>
             <a:ext cx="4933398" cy="6668430"/>
+          </a:xfrm>
+          <a:prstGeom prst="rect">
+            <a:avLst/>
+          </a:prstGeom>
+        </p:spPr>
+      </p:pic>
+      <p:pic>
+        <p:nvPicPr>
+          <p:cNvPr id="2" name="Audio 1">
+            <a:hlinkClick r:id="" action="ppaction://media"/>
+            <a:extLst>
+              <a:ext uri="{FF2B5EF4-FFF2-40B4-BE49-F238E27FC236}">
+                <a16:creationId xmlns:a16="http://schemas.microsoft.com/office/drawing/2014/main" id="{AAEA475B-1A89-DB34-6DB0-5299A4E22DF0}"/>
+              </a:ext>
+            </a:extLst>
+          </p:cNvPr>
+          <p:cNvPicPr>
+            <a:picLocks noChangeAspect="1"/>
+          </p:cNvPicPr>
+          <p:nvPr>
+            <a:audioFile r:link="rId2"/>
+            <p:extLst>
+              <p:ext uri="{DAA4B4D4-6D71-4841-9C94-3DE7FCFB9230}">
+                <p14:media xmlns:p14="http://schemas.microsoft.com/office/powerpoint/2010/main" r:embed="rId1"/>
+              </p:ext>
+            </p:extLst>
+          </p:nvPr>
+        </p:nvPicPr>
+        <p:blipFill>
+          <a:blip r:embed="rId6"/>
+          <a:srcRect l="-262704" t="-125896" r="-262704" b="-125896"/>
+          <a:stretch>
+            <a:fillRect/>
+          </a:stretch>
+        </p:blipFill>
+        <p:spPr>
+          <a:xfrm>
+            <a:off x="9144000" y="5143500"/>
+            <a:ext cx="3048000" cy="1714500"/>
           </a:xfrm>
           <a:prstGeom prst="rect">
             <a:avLst/>
@@ -3418,16 +3462,103 @@
   </p:clrMapOvr>
   <mc:AlternateContent xmlns:mc="http://schemas.openxmlformats.org/markup-compatibility/2006">
     <mc:Choice xmlns:p14="http://schemas.microsoft.com/office/powerpoint/2010/main" Requires="p14">
-      <p:transition spd="slow" p14:dur="1500">
+      <p:transition spd="slow" p14:dur="1500" advTm="2224">
         <p:split orient="vert"/>
       </p:transition>
     </mc:Choice>
     <mc:Fallback>
-      <p:transition spd="slow">
+      <p:transition spd="slow" advTm="2224">
         <p:split orient="vert"/>
       </p:transition>
     </mc:Fallback>
   </mc:AlternateContent>
+  <p:timing>
+    <p:tnLst>
+      <p:par>
+        <p:cTn id="1" dur="indefinite" restart="never" nodeType="tmRoot">
+          <p:childTnLst>
+            <p:seq concurrent="1" nextAc="seek">
+              <p:cTn id="2" dur="indefinite" nodeType="mainSeq">
+                <p:childTnLst>
+                  <p:par>
+                    <p:cTn id="3" fill="hold">
+                      <p:stCondLst>
+                        <p:cond delay="indefinite"/>
+                        <p:cond evt="onBegin" delay="0">
+                          <p:tn val="2"/>
+                        </p:cond>
+                      </p:stCondLst>
+                      <p:childTnLst>
+                        <p:par>
+                          <p:cTn id="4" fill="hold">
+                            <p:stCondLst>
+                              <p:cond delay="0"/>
+                            </p:stCondLst>
+                            <p:childTnLst>
+                              <p:par>
+                                <p:cTn id="5" presetID="1" presetClass="mediacall" presetSubtype="0" fill="hold" nodeType="afterEffect">
+                                  <p:stCondLst>
+                                    <p:cond delay="0"/>
+                                  </p:stCondLst>
+                                  <p:childTnLst>
+                                    <p:cmd type="call" cmd="playFrom(0.0)">
+                                      <p:cBhvr>
+                                        <p:cTn id="6" dur="1" fill="hold"/>
+                                        <p:tgtEl>
+                                          <p:spTgt spid="2"/>
+                                        </p:tgtEl>
+                                      </p:cBhvr>
+                                    </p:cmd>
+                                  </p:childTnLst>
+                                </p:cTn>
+                              </p:par>
+                            </p:childTnLst>
+                          </p:cTn>
+                        </p:par>
+                      </p:childTnLst>
+                    </p:cTn>
+                  </p:par>
+                </p:childTnLst>
+              </p:cTn>
+              <p:prevCondLst>
+                <p:cond evt="onPrev" delay="0">
+                  <p:tgtEl>
+                    <p:sldTgt/>
+                  </p:tgtEl>
+                </p:cond>
+              </p:prevCondLst>
+              <p:nextCondLst>
+                <p:cond evt="onNext" delay="0">
+                  <p:tgtEl>
+                    <p:sldTgt/>
+                  </p:tgtEl>
+                </p:cond>
+              </p:nextCondLst>
+            </p:seq>
+            <p:audio isNarration="1">
+              <p:cMediaNode vol="80000" showWhenStopped="0">
+                <p:cTn id="7" fill="hold" display="0">
+                  <p:stCondLst>
+                    <p:cond delay="indefinite"/>
+                  </p:stCondLst>
+                  <p:endCondLst>
+                    <p:cond evt="onStopAudio" delay="0">
+                      <p:tgtEl>
+                        <p:sldTgt/>
+                      </p:tgtEl>
+                    </p:cond>
+                  </p:endCondLst>
+                </p:cTn>
+                <p:tgtEl>
+                  <p:spTgt spid="2"/>
+                </p:tgtEl>
+              </p:cMediaNode>
+            </p:audio>
+          </p:childTnLst>
+        </p:cTn>
+      </p:par>
+    </p:tnLst>
+  </p:timing>
 </p:sld>
 </file>
 
@@ -3463,7 +3594,7 @@
           <p:nvPr/>
         </p:nvPicPr>
         <p:blipFill>
-          <a:blip r:embed="rId2"/>
+          <a:blip r:embed="rId4"/>
           <a:stretch>
             <a:fillRect/>
           </a:stretch>
@@ -3472,6 +3603,45 @@
           <a:xfrm rot="5400000">
             <a:off x="2682459" y="-2073364"/>
             <a:ext cx="6823941" cy="11038791"/>
+          </a:xfrm>
+          <a:prstGeom prst="rect">
+            <a:avLst/>
+          </a:prstGeom>
+        </p:spPr>
+      </p:pic>
+      <p:pic>
+        <p:nvPicPr>
+          <p:cNvPr id="2" name="Audio 1">
+            <a:hlinkClick r:id="" action="ppaction://media"/>
+            <a:extLst>
+              <a:ext uri="{FF2B5EF4-FFF2-40B4-BE49-F238E27FC236}">
+                <a16:creationId xmlns:a16="http://schemas.microsoft.com/office/drawing/2014/main" id="{330C4BC5-4B55-B3B0-D2D4-D05ED720B699}"/>
+              </a:ext>
+            </a:extLst>
+          </p:cNvPr>
+          <p:cNvPicPr>
+            <a:picLocks noChangeAspect="1"/>
+          </p:cNvPicPr>
+          <p:nvPr>
+            <a:audioFile r:link="rId2"/>
+            <p:extLst>
+              <p:ext uri="{DAA4B4D4-6D71-4841-9C94-3DE7FCFB9230}">
+                <p14:media xmlns:p14="http://schemas.microsoft.com/office/powerpoint/2010/main" r:embed="rId1"/>
+              </p:ext>
+            </p:extLst>
+          </p:nvPr>
+        </p:nvPicPr>
+        <p:blipFill>
+          <a:blip r:embed="rId5"/>
+          <a:srcRect l="-262704" t="-125896" r="-262704" b="-125896"/>
+          <a:stretch>
+            <a:fillRect/>
+          </a:stretch>
+        </p:blipFill>
+        <p:spPr>
+          <a:xfrm>
+            <a:off x="9144000" y="5143500"/>
+            <a:ext cx="3048000" cy="1714500"/>
           </a:xfrm>
           <a:prstGeom prst="rect">
             <a:avLst/>
@@ -3488,9 +3658,96 @@
   <p:clrMapOvr>
     <a:masterClrMapping/>
   </p:clrMapOvr>
-  <p:transition spd="slow">
+  <p:transition spd="slow" advTm="2682">
     <p:randomBar dir="vert"/>
   </p:transition>
+  <p:timing>
+    <p:tnLst>
+      <p:par>
+        <p:cTn id="1" dur="indefinite" restart="never" nodeType="tmRoot">
+          <p:childTnLst>
+            <p:seq concurrent="1" nextAc="seek">
+              <p:cTn id="2" dur="indefinite" nodeType="mainSeq">
+                <p:childTnLst>
+                  <p:par>
+                    <p:cTn id="3" fill="hold">
+                      <p:stCondLst>
+                        <p:cond delay="indefinite"/>
+                        <p:cond evt="onBegin" delay="0">
+                          <p:tn val="2"/>
+                        </p:cond>
+                      </p:stCondLst>
+                      <p:childTnLst>
+                        <p:par>
+                          <p:cTn id="4" fill="hold">
+                            <p:stCondLst>
+                              <p:cond delay="0"/>
+                            </p:stCondLst>
+                            <p:childTnLst>
+                              <p:par>
+                                <p:cTn id="5" presetID="1" presetClass="mediacall" presetSubtype="0" fill="hold" nodeType="afterEffect">
+                                  <p:stCondLst>
+                                    <p:cond delay="0"/>
+                                  </p:stCondLst>
+                                  <p:childTnLst>
+                                    <p:cmd type="call" cmd="playFrom(0.0)">
+                                      <p:cBhvr>
+                                        <p:cTn id="6" dur="1" fill="hold"/>
+                                        <p:tgtEl>
+                                          <p:spTgt spid="2"/>
+                                        </p:tgtEl>
+                                      </p:cBhvr>
+                                    </p:cmd>
+                                  </p:childTnLst>
+                                </p:cTn>
+                              </p:par>
+                            </p:childTnLst>
+                          </p:cTn>
+                        </p:par>
+                      </p:childTnLst>
+                    </p:cTn>
+                  </p:par>
+                </p:childTnLst>
+              </p:cTn>
+              <p:prevCondLst>
+                <p:cond evt="onPrev" delay="0">
+                  <p:tgtEl>
+                    <p:sldTgt/>
+                  </p:tgtEl>
+                </p:cond>
+              </p:prevCondLst>
+              <p:nextCondLst>
+                <p:cond evt="onNext" delay="0">
+                  <p:tgtEl>
+                    <p:sldTgt/>
+                  </p:tgtEl>
+                </p:cond>
+              </p:nextCondLst>
+            </p:seq>
+            <p:audio isNarration="1">
+              <p:cMediaNode vol="80000" showWhenStopped="0">
+                <p:cTn id="7" fill="hold" display="0">
+                  <p:stCondLst>
+                    <p:cond delay="indefinite"/>
+                  </p:stCondLst>
+                  <p:endCondLst>
+                    <p:cond evt="onStopAudio" delay="0">
+                      <p:tgtEl>
+                        <p:sldTgt/>
+                      </p:tgtEl>
+                    </p:cond>
+                  </p:endCondLst>
+                </p:cTn>
+                <p:tgtEl>
+                  <p:spTgt spid="2"/>
+                </p:tgtEl>
+              </p:cMediaNode>
+            </p:audio>
+          </p:childTnLst>
+        </p:cTn>
+      </p:par>
+    </p:tnLst>
+  </p:timing>
 </p:sld>
 </file>
 
@@ -3526,7 +3783,7 @@
           <p:nvPr/>
         </p:nvPicPr>
         <p:blipFill rotWithShape="1">
-          <a:blip r:embed="rId2"/>
+          <a:blip r:embed="rId4"/>
           <a:srcRect t="1437" r="1031"/>
           <a:stretch/>
         </p:blipFill>
@@ -3534,6 +3791,45 @@
           <a:xfrm>
             <a:off x="102696" y="113122"/>
             <a:ext cx="11907052" cy="6561055"/>
+          </a:xfrm>
+          <a:prstGeom prst="rect">
+            <a:avLst/>
+          </a:prstGeom>
+        </p:spPr>
+      </p:pic>
+      <p:pic>
+        <p:nvPicPr>
+          <p:cNvPr id="2" name="Audio 1">
+            <a:hlinkClick r:id="" action="ppaction://media"/>
+            <a:extLst>
+              <a:ext uri="{FF2B5EF4-FFF2-40B4-BE49-F238E27FC236}">
+                <a16:creationId xmlns:a16="http://schemas.microsoft.com/office/drawing/2014/main" id="{58BEA5A6-166F-EBD9-B592-B68C2D3AFBE2}"/>
+              </a:ext>
+            </a:extLst>
+          </p:cNvPr>
+          <p:cNvPicPr>
+            <a:picLocks noChangeAspect="1"/>
+          </p:cNvPicPr>
+          <p:nvPr>
+            <a:audioFile r:link="rId2"/>
+            <p:extLst>
+              <p:ext uri="{DAA4B4D4-6D71-4841-9C94-3DE7FCFB9230}">
+                <p14:media xmlns:p14="http://schemas.microsoft.com/office/powerpoint/2010/main" r:embed="rId1"/>
+              </p:ext>
+            </p:extLst>
+          </p:nvPr>
+        </p:nvPicPr>
+        <p:blipFill>
+          <a:blip r:embed="rId5"/>
+          <a:srcRect l="-262704" t="-125896" r="-262704" b="-125896"/>
+          <a:stretch>
+            <a:fillRect/>
+          </a:stretch>
+        </p:blipFill>
+        <p:spPr>
+          <a:xfrm>
+            <a:off x="9144000" y="5143500"/>
+            <a:ext cx="3048000" cy="1714500"/>
           </a:xfrm>
           <a:prstGeom prst="rect">
             <a:avLst/>
@@ -3552,16 +3848,103 @@
   </p:clrMapOvr>
   <mc:AlternateContent xmlns:mc="http://schemas.openxmlformats.org/markup-compatibility/2006">
     <mc:Choice xmlns:p14="http://schemas.microsoft.com/office/powerpoint/2010/main" Requires="p14">
-      <p:transition spd="slow" p14:dur="1250">
+      <p:transition spd="slow" p14:dur="1250" advTm="4174">
         <p14:flip dir="r"/>
       </p:transition>
     </mc:Choice>
     <mc:Fallback>
-      <p:transition spd="slow">
+      <p:transition spd="slow" advTm="4174">
         <p:fade/>
       </p:transition>
     </mc:Fallback>
   </mc:AlternateContent>
+  <p:timing>
+    <p:tnLst>
+      <p:par>
+        <p:cTn id="1" dur="indefinite" restart="never" nodeType="tmRoot">
+          <p:childTnLst>
+            <p:seq concurrent="1" nextAc="seek">
+              <p:cTn id="2" dur="indefinite" nodeType="mainSeq">
+                <p:childTnLst>
+                  <p:par>
+                    <p:cTn id="3" fill="hold">
+                      <p:stCondLst>
+                        <p:cond delay="indefinite"/>
+                        <p:cond evt="onBegin" delay="0">
+                          <p:tn val="2"/>
+                        </p:cond>
+                      </p:stCondLst>
+                      <p:childTnLst>
+                        <p:par>
+                          <p:cTn id="4" fill="hold">
+                            <p:stCondLst>
+                              <p:cond delay="0"/>
+                            </p:stCondLst>
+                            <p:childTnLst>
+                              <p:par>
+                                <p:cTn id="5" presetID="1" presetClass="mediacall" presetSubtype="0" fill="hold" nodeType="afterEffect">
+                                  <p:stCondLst>
+                                    <p:cond delay="0"/>
+                                  </p:stCondLst>
+                                  <p:childTnLst>
+                                    <p:cmd type="call" cmd="playFrom(0.0)">
+                                      <p:cBhvr>
+                                        <p:cTn id="6" dur="1" fill="hold"/>
+                                        <p:tgtEl>
+                                          <p:spTgt spid="2"/>
+                                        </p:tgtEl>
+                                      </p:cBhvr>
+                                    </p:cmd>
+                                  </p:childTnLst>
+                                </p:cTn>
+                              </p:par>
+                            </p:childTnLst>
+                          </p:cTn>
+                        </p:par>
+                      </p:childTnLst>
+                    </p:cTn>
+                  </p:par>
+                </p:childTnLst>
+              </p:cTn>
+              <p:prevCondLst>
+                <p:cond evt="onPrev" delay="0">
+                  <p:tgtEl>
+                    <p:sldTgt/>
+                  </p:tgtEl>
+                </p:cond>
+              </p:prevCondLst>
+              <p:nextCondLst>
+                <p:cond evt="onNext" delay="0">
+                  <p:tgtEl>
+                    <p:sldTgt/>
+                  </p:tgtEl>
+                </p:cond>
+              </p:nextCondLst>
+            </p:seq>
+            <p:audio isNarration="1">
+              <p:cMediaNode vol="80000" showWhenStopped="0">
+                <p:cTn id="7" fill="hold" display="0">
+                  <p:stCondLst>
+                    <p:cond delay="indefinite"/>
+                  </p:stCondLst>
+                  <p:endCondLst>
+                    <p:cond evt="onStopAudio" delay="0">
+                      <p:tgtEl>
+                        <p:sldTgt/>
+                      </p:tgtEl>
+                    </p:cond>
+                  </p:endCondLst>
+                </p:cTn>
+                <p:tgtEl>
+                  <p:spTgt spid="2"/>
+                </p:tgtEl>
+              </p:cMediaNode>
+            </p:audio>
+          </p:childTnLst>
+        </p:cTn>
+      </p:par>
+    </p:tnLst>
+  </p:timing>
 </p:sld>
 </file>
 
@@ -3597,7 +3980,7 @@
           <p:nvPr/>
         </p:nvPicPr>
         <p:blipFill>
-          <a:blip r:embed="rId2"/>
+          <a:blip r:embed="rId4"/>
           <a:stretch>
             <a:fillRect/>
           </a:stretch>
@@ -3627,7 +4010,7 @@
           <p:nvPr/>
         </p:nvPicPr>
         <p:blipFill>
-          <a:blip r:embed="rId3"/>
+          <a:blip r:embed="rId5"/>
           <a:stretch>
             <a:fillRect/>
           </a:stretch>
@@ -3636,6 +4019,45 @@
           <a:xfrm>
             <a:off x="6639614" y="0"/>
             <a:ext cx="5172733" cy="6787299"/>
+          </a:xfrm>
+          <a:prstGeom prst="rect">
+            <a:avLst/>
+          </a:prstGeom>
+        </p:spPr>
+      </p:pic>
+      <p:pic>
+        <p:nvPicPr>
+          <p:cNvPr id="2" name="Audio 1">
+            <a:hlinkClick r:id="" action="ppaction://media"/>
+            <a:extLst>
+              <a:ext uri="{FF2B5EF4-FFF2-40B4-BE49-F238E27FC236}">
+                <a16:creationId xmlns:a16="http://schemas.microsoft.com/office/drawing/2014/main" id="{C056C046-475C-4D42-5F94-A078A990D925}"/>
+              </a:ext>
+            </a:extLst>
+          </p:cNvPr>
+          <p:cNvPicPr>
+            <a:picLocks noChangeAspect="1"/>
+          </p:cNvPicPr>
+          <p:nvPr>
+            <a:audioFile r:link="rId2"/>
+            <p:extLst>
+              <p:ext uri="{DAA4B4D4-6D71-4841-9C94-3DE7FCFB9230}">
+                <p14:media xmlns:p14="http://schemas.microsoft.com/office/powerpoint/2010/main" r:embed="rId1"/>
+              </p:ext>
+            </p:extLst>
+          </p:nvPr>
+        </p:nvPicPr>
+        <p:blipFill>
+          <a:blip r:embed="rId6"/>
+          <a:srcRect l="-262704" t="-125896" r="-262704" b="-125896"/>
+          <a:stretch>
+            <a:fillRect/>
+          </a:stretch>
+        </p:blipFill>
+        <p:spPr>
+          <a:xfrm>
+            <a:off x="9144000" y="5143500"/>
+            <a:ext cx="3048000" cy="1714500"/>
           </a:xfrm>
           <a:prstGeom prst="rect">
             <a:avLst/>
@@ -3654,16 +4076,103 @@
   </p:clrMapOvr>
   <mc:AlternateContent xmlns:mc="http://schemas.openxmlformats.org/markup-compatibility/2006">
     <mc:Choice xmlns:p14="http://schemas.microsoft.com/office/powerpoint/2010/main" Requires="p14">
-      <p:transition spd="slow" p14:dur="3000">
+      <p:transition spd="slow" p14:dur="3000" advTm="1641">
         <p14:shred/>
       </p:transition>
     </mc:Choice>
     <mc:Fallback>
-      <p:transition spd="slow">
+      <p:transition spd="slow" advTm="1641">
         <p:fade/>
       </p:transition>
     </mc:Fallback>
   </mc:AlternateContent>
+  <p:timing>
+    <p:tnLst>
+      <p:par>
+        <p:cTn id="1" dur="indefinite" restart="never" nodeType="tmRoot">
+          <p:childTnLst>
+            <p:seq concurrent="1" nextAc="seek">
+              <p:cTn id="2" dur="indefinite" nodeType="mainSeq">
+                <p:childTnLst>
+                  <p:par>
+                    <p:cTn id="3" fill="hold">
+                      <p:stCondLst>
+                        <p:cond delay="indefinite"/>
+                        <p:cond evt="onBegin" delay="0">
+                          <p:tn val="2"/>
+                        </p:cond>
+                      </p:stCondLst>
+                      <p:childTnLst>
+                        <p:par>
+                          <p:cTn id="4" fill="hold">
+                            <p:stCondLst>
+                              <p:cond delay="0"/>
+                            </p:stCondLst>
+                            <p:childTnLst>
+                              <p:par>
+                                <p:cTn id="5" presetID="1" presetClass="mediacall" presetSubtype="0" fill="hold" nodeType="afterEffect">
+                                  <p:stCondLst>
+                                    <p:cond delay="0"/>
+                                  </p:stCondLst>
+                                  <p:childTnLst>
+                                    <p:cmd type="call" cmd="playFrom(0.0)">
+                                      <p:cBhvr>
+                                        <p:cTn id="6" dur="1" fill="hold"/>
+                                        <p:tgtEl>
+                                          <p:spTgt spid="2"/>
+                                        </p:tgtEl>
+                                      </p:cBhvr>
+                                    </p:cmd>
+                                  </p:childTnLst>
+                                </p:cTn>
+                              </p:par>
+                            </p:childTnLst>
+                          </p:cTn>
+                        </p:par>
+                      </p:childTnLst>
+                    </p:cTn>
+                  </p:par>
+                </p:childTnLst>
+              </p:cTn>
+              <p:prevCondLst>
+                <p:cond evt="onPrev" delay="0">
+                  <p:tgtEl>
+                    <p:sldTgt/>
+                  </p:tgtEl>
+                </p:cond>
+              </p:prevCondLst>
+              <p:nextCondLst>
+                <p:cond evt="onNext" delay="0">
+                  <p:tgtEl>
+                    <p:sldTgt/>
+                  </p:tgtEl>
+                </p:cond>
+              </p:nextCondLst>
+            </p:seq>
+            <p:audio isNarration="1">
+              <p:cMediaNode vol="80000" showWhenStopped="0">
+                <p:cTn id="7" fill="hold" display="0">
+                  <p:stCondLst>
+                    <p:cond delay="indefinite"/>
+                  </p:stCondLst>
+                  <p:endCondLst>
+                    <p:cond evt="onStopAudio" delay="0">
+                      <p:tgtEl>
+                        <p:sldTgt/>
+                      </p:tgtEl>
+                    </p:cond>
+                  </p:endCondLst>
+                </p:cTn>
+                <p:tgtEl>
+                  <p:spTgt spid="2"/>
+                </p:tgtEl>
+              </p:cMediaNode>
+            </p:audio>
+          </p:childTnLst>
+        </p:cTn>
+      </p:par>
+    </p:tnLst>
+  </p:timing>
 </p:sld>
 </file>
 
@@ -3699,7 +4208,7 @@
           <p:nvPr/>
         </p:nvPicPr>
         <p:blipFill>
-          <a:blip r:embed="rId2"/>
+          <a:blip r:embed="rId4"/>
           <a:stretch>
             <a:fillRect/>
           </a:stretch>
@@ -3708,6 +4217,45 @@
           <a:xfrm>
             <a:off x="351072" y="113122"/>
             <a:ext cx="11642100" cy="6617615"/>
+          </a:xfrm>
+          <a:prstGeom prst="rect">
+            <a:avLst/>
+          </a:prstGeom>
+        </p:spPr>
+      </p:pic>
+      <p:pic>
+        <p:nvPicPr>
+          <p:cNvPr id="2" name="Audio 1">
+            <a:hlinkClick r:id="" action="ppaction://media"/>
+            <a:extLst>
+              <a:ext uri="{FF2B5EF4-FFF2-40B4-BE49-F238E27FC236}">
+                <a16:creationId xmlns:a16="http://schemas.microsoft.com/office/drawing/2014/main" id="{3EEEE544-C1CA-E72F-2950-72A3F8F81BF5}"/>
+              </a:ext>
+            </a:extLst>
+          </p:cNvPr>
+          <p:cNvPicPr>
+            <a:picLocks noChangeAspect="1"/>
+          </p:cNvPicPr>
+          <p:nvPr>
+            <a:audioFile r:link="rId2"/>
+            <p:extLst>
+              <p:ext uri="{DAA4B4D4-6D71-4841-9C94-3DE7FCFB9230}">
+                <p14:media xmlns:p14="http://schemas.microsoft.com/office/powerpoint/2010/main" r:embed="rId1"/>
+              </p:ext>
+            </p:extLst>
+          </p:nvPr>
+        </p:nvPicPr>
+        <p:blipFill>
+          <a:blip r:embed="rId5"/>
+          <a:srcRect l="-262704" t="-125896" r="-262704" b="-125896"/>
+          <a:stretch>
+            <a:fillRect/>
+          </a:stretch>
+        </p:blipFill>
+        <p:spPr>
+          <a:xfrm>
+            <a:off x="9144000" y="5143500"/>
+            <a:ext cx="3048000" cy="1714500"/>
           </a:xfrm>
           <a:prstGeom prst="rect">
             <a:avLst/>
@@ -3726,16 +4274,103 @@
   </p:clrMapOvr>
   <mc:AlternateContent xmlns:mc="http://schemas.openxmlformats.org/markup-compatibility/2006">
     <mc:Choice xmlns:p14="http://schemas.microsoft.com/office/powerpoint/2010/main" Requires="p14">
-      <p:transition spd="slow" p14:dur="900">
+      <p:transition spd="slow" p14:dur="900" advTm="1671">
         <p14:warp dir="in"/>
       </p:transition>
     </mc:Choice>
     <mc:Fallback>
-      <p:transition spd="slow">
+      <p:transition spd="slow" advTm="1671">
         <p:fade/>
       </p:transition>
     </mc:Fallback>
   </mc:AlternateContent>
+  <p:timing>
+    <p:tnLst>
+      <p:par>
+        <p:cTn id="1" dur="indefinite" restart="never" nodeType="tmRoot">
+          <p:childTnLst>
+            <p:seq concurrent="1" nextAc="seek">
+              <p:cTn id="2" dur="indefinite" nodeType="mainSeq">
+                <p:childTnLst>
+                  <p:par>
+                    <p:cTn id="3" fill="hold">
+                      <p:stCondLst>
+                        <p:cond delay="indefinite"/>
+                        <p:cond evt="onBegin" delay="0">
+                          <p:tn val="2"/>
+                        </p:cond>
+                      </p:stCondLst>
+                      <p:childTnLst>
+                        <p:par>
+                          <p:cTn id="4" fill="hold">
+                            <p:stCondLst>
+                              <p:cond delay="0"/>
+                            </p:stCondLst>
+                            <p:childTnLst>
+                              <p:par>
+                                <p:cTn id="5" presetID="1" presetClass="mediacall" presetSubtype="0" fill="hold" nodeType="afterEffect">
+                                  <p:stCondLst>
+                                    <p:cond delay="0"/>
+                                  </p:stCondLst>
+                                  <p:childTnLst>
+                                    <p:cmd type="call" cmd="playFrom(0.0)">
+                                      <p:cBhvr>
+                                        <p:cTn id="6" dur="1" fill="hold"/>
+                                        <p:tgtEl>
+                                          <p:spTgt spid="2"/>
+                                        </p:tgtEl>
+                                      </p:cBhvr>
+                                    </p:cmd>
+                                  </p:childTnLst>
+                                </p:cTn>
+                              </p:par>
+                            </p:childTnLst>
+                          </p:cTn>
+                        </p:par>
+                      </p:childTnLst>
+                    </p:cTn>
+                  </p:par>
+                </p:childTnLst>
+              </p:cTn>
+              <p:prevCondLst>
+                <p:cond evt="onPrev" delay="0">
+                  <p:tgtEl>
+                    <p:sldTgt/>
+                  </p:tgtEl>
+                </p:cond>
+              </p:prevCondLst>
+              <p:nextCondLst>
+                <p:cond evt="onNext" delay="0">
+                  <p:tgtEl>
+                    <p:sldTgt/>
+                  </p:tgtEl>
+                </p:cond>
+              </p:nextCondLst>
+            </p:seq>
+            <p:audio isNarration="1">
+              <p:cMediaNode vol="80000" showWhenStopped="0">
+                <p:cTn id="7" fill="hold" display="0">
+                  <p:stCondLst>
+                    <p:cond delay="indefinite"/>
+                  </p:stCondLst>
+                  <p:endCondLst>
+                    <p:cond evt="onStopAudio" delay="0">
+                      <p:tgtEl>
+                        <p:sldTgt/>
+                      </p:tgtEl>
+                    </p:cond>
+                  </p:endCondLst>
+                </p:cTn>
+                <p:tgtEl>
+                  <p:spTgt spid="2"/>
+                </p:tgtEl>
+              </p:cMediaNode>
+            </p:audio>
+          </p:childTnLst>
+        </p:cTn>
+      </p:par>
+    </p:tnLst>
+  </p:timing>
 </p:sld>
 </file>
 
